--- a/Presentation Reactive forms.pptx
+++ b/Presentation Reactive forms.pptx
@@ -11,6 +11,7 @@
     <p:sldId id="259" r:id="rId8"/>
     <p:sldId id="260" r:id="rId9"/>
     <p:sldId id="261" r:id="rId10"/>
+    <p:sldId id="262" r:id="rId11"/>
   </p:sldIdLst>
   <p:sldSz cx="12192000" cy="6858000"/>
   <p:notesSz cx="6858000" cy="9144000"/>
@@ -115,14 +116,6 @@
     </p:ext>
   </p:extLst>
 </p:presentation>
-</file>
-
-<file path=ppt/revisionInfo.xml><?xml version="1.0" encoding="utf-8"?>
-<p1510:revInfo xmlns:a="http://schemas.openxmlformats.org/drawingml/2006/main" xmlns:r="http://schemas.openxmlformats.org/officeDocument/2006/relationships" xmlns:p1510="http://schemas.microsoft.com/office/powerpoint/2015/10/main">
-  <p1510:revLst>
-    <p1510:client id="{49A52A43-510C-49C4-8172-EA24B07E52A8}" v="24" dt="2020-11-09T18:53:23.837"/>
-  </p1510:revLst>
-</p1510:revInfo>
 </file>
 
 <file path=ppt/slideLayouts/slideLayout1.xml><?xml version="1.0" encoding="utf-8"?>
@@ -3491,6 +3484,16 @@
             <a:r>
               <a:rPr lang="en-GB" dirty="0"/>
               <a:t>Testing using reactive forms.</a:t>
+            </a:r>
+          </a:p>
+          <a:p>
+            <a:pPr marL="457200" indent="-457200" algn="l">
+              <a:buFont typeface="+mj-lt"/>
+              <a:buAutoNum type="arabicPeriod"/>
+            </a:pPr>
+            <a:r>
+              <a:rPr lang="en-GB" dirty="0"/>
+              <a:t>References</a:t>
             </a:r>
           </a:p>
           <a:p>
@@ -4737,7 +4740,7 @@
           <a:graphicData uri="http://schemas.openxmlformats.org/presentationml/2006/ole">
             <mc:AlternateContent xmlns:mc="http://schemas.openxmlformats.org/markup-compatibility/2006">
               <mc:Choice xmlns:v="urn:schemas-microsoft-com:vml" Requires="v">
-                <p:oleObj spid="_x0000_s1027" name="Document" r:id="rId3" imgW="8131680" imgH="5418000" progId="Word.OpenDocumentText.12">
+                <p:oleObj spid="_x0000_s1029" name="Document" r:id="rId3" imgW="8131680" imgH="5418000" progId="Word.OpenDocumentText.12">
                   <p:embed/>
                 </p:oleObj>
               </mc:Choice>
@@ -4782,6 +4785,164 @@
     <p:extLst>
       <p:ext uri="{BB962C8B-B14F-4D97-AF65-F5344CB8AC3E}">
         <p14:creationId xmlns:p14="http://schemas.microsoft.com/office/powerpoint/2010/main" val="2837962855"/>
+      </p:ext>
+    </p:extLst>
+  </p:cSld>
+  <p:clrMapOvr>
+    <a:masterClrMapping/>
+  </p:clrMapOvr>
+</p:sld>
+</file>
+
+<file path=ppt/slides/slide7.xml><?xml version="1.0" encoding="utf-8"?>
+<p:sld xmlns:a="http://schemas.openxmlformats.org/drawingml/2006/main" xmlns:r="http://schemas.openxmlformats.org/officeDocument/2006/relationships" xmlns:p="http://schemas.openxmlformats.org/presentationml/2006/main">
+  <p:cSld>
+    <p:spTree>
+      <p:nvGrpSpPr>
+        <p:cNvPr id="1" name=""/>
+        <p:cNvGrpSpPr/>
+        <p:nvPr/>
+      </p:nvGrpSpPr>
+      <p:grpSpPr>
+        <a:xfrm>
+          <a:off x="0" y="0"/>
+          <a:ext cx="0" cy="0"/>
+          <a:chOff x="0" y="0"/>
+          <a:chExt cx="0" cy="0"/>
+        </a:xfrm>
+      </p:grpSpPr>
+      <p:sp>
+        <p:nvSpPr>
+          <p:cNvPr id="2" name="Title 1">
+            <a:extLst>
+              <a:ext uri="{FF2B5EF4-FFF2-40B4-BE49-F238E27FC236}">
+                <a16:creationId xmlns:a16="http://schemas.microsoft.com/office/drawing/2014/main" id="{1E7358BE-1533-4330-A5FC-FB23D2495E5E}"/>
+              </a:ext>
+            </a:extLst>
+          </p:cNvPr>
+          <p:cNvSpPr>
+            <a:spLocks noGrp="1"/>
+          </p:cNvSpPr>
+          <p:nvPr>
+            <p:ph type="ctrTitle"/>
+          </p:nvPr>
+        </p:nvSpPr>
+        <p:spPr>
+          <a:xfrm>
+            <a:off x="1524000" y="746621"/>
+            <a:ext cx="9144000" cy="656483"/>
+          </a:xfrm>
+        </p:spPr>
+        <p:txBody>
+          <a:bodyPr>
+            <a:normAutofit fontScale="90000"/>
+          </a:bodyPr>
+          <a:lstStyle/>
+          <a:p>
+            <a:pPr algn="l"/>
+            <a:r>
+              <a:rPr lang="en-GB" sz="2400" dirty="0">
+                <a:solidFill>
+                  <a:prstClr val="black"/>
+                </a:solidFill>
+                <a:latin typeface="Calibri" panose="020F0502020204030204"/>
+                <a:ea typeface="+mn-ea"/>
+                <a:cs typeface="+mn-cs"/>
+              </a:rPr>
+              <a:t> 5. References </a:t>
+            </a:r>
+            <a:r>
+              <a:rPr lang="en-GB" sz="2400" dirty="0"/>
+              <a:t>.</a:t>
+            </a:r>
+            <a:br>
+              <a:rPr lang="en-GB" sz="2400" dirty="0">
+                <a:latin typeface="Gotham SSm A"/>
+              </a:rPr>
+            </a:br>
+            <a:endParaRPr lang="en-GB" sz="2400" dirty="0">
+              <a:solidFill>
+                <a:prstClr val="black"/>
+              </a:solidFill>
+              <a:latin typeface="Calibri" panose="020F0502020204030204"/>
+              <a:ea typeface="+mn-ea"/>
+              <a:cs typeface="+mn-cs"/>
+            </a:endParaRPr>
+          </a:p>
+        </p:txBody>
+      </p:sp>
+      <p:sp>
+        <p:nvSpPr>
+          <p:cNvPr id="3" name="TextBox 2">
+            <a:extLst>
+              <a:ext uri="{FF2B5EF4-FFF2-40B4-BE49-F238E27FC236}">
+                <a16:creationId xmlns:a16="http://schemas.microsoft.com/office/drawing/2014/main" id="{6742D5EF-7E38-421C-A65B-AE036D8979A3}"/>
+              </a:ext>
+            </a:extLst>
+          </p:cNvPr>
+          <p:cNvSpPr txBox="1"/>
+          <p:nvPr/>
+        </p:nvSpPr>
+        <p:spPr>
+          <a:xfrm>
+            <a:off x="788564" y="1560352"/>
+            <a:ext cx="8732940" cy="923330"/>
+          </a:xfrm>
+          <a:prstGeom prst="rect">
+            <a:avLst/>
+          </a:prstGeom>
+          <a:noFill/>
+        </p:spPr>
+        <p:txBody>
+          <a:bodyPr wrap="square" rtlCol="0">
+            <a:spAutoFit/>
+          </a:bodyPr>
+          <a:lstStyle/>
+          <a:p>
+            <a:pPr marL="342900" indent="-342900">
+              <a:buFont typeface="+mj-lt"/>
+              <a:buAutoNum type="arabicPeriod"/>
+            </a:pPr>
+            <a:r>
+              <a:rPr lang="en-GB" dirty="0">
+                <a:hlinkClick r:id="rId2"/>
+              </a:rPr>
+              <a:t>https://angular.io/guide/reactive-forms</a:t>
+            </a:r>
+            <a:endParaRPr lang="en-GB" dirty="0"/>
+          </a:p>
+          <a:p>
+            <a:pPr marL="342900" indent="-342900">
+              <a:buFont typeface="+mj-lt"/>
+              <a:buAutoNum type="arabicPeriod"/>
+            </a:pPr>
+            <a:r>
+              <a:rPr lang="en-GB" dirty="0">
+                <a:hlinkClick r:id="rId3"/>
+              </a:rPr>
+              <a:t>https://angular.io/api/forms/ControlValueAccessor</a:t>
+            </a:r>
+            <a:endParaRPr lang="en-GB" dirty="0"/>
+          </a:p>
+          <a:p>
+            <a:pPr marL="342900" indent="-342900">
+              <a:buFont typeface="+mj-lt"/>
+              <a:buAutoNum type="arabicPeriod"/>
+            </a:pPr>
+            <a:r>
+              <a:rPr lang="en-GB" dirty="0">
+                <a:hlinkClick r:id="rId4"/>
+              </a:rPr>
+              <a:t>https://github.com/skuchhadiya/ReactiveFormsDemo</a:t>
+            </a:r>
+            <a:endParaRPr lang="en-GB" dirty="0"/>
+          </a:p>
+        </p:txBody>
+      </p:sp>
+    </p:spTree>
+    <p:extLst>
+      <p:ext uri="{BB962C8B-B14F-4D97-AF65-F5344CB8AC3E}">
+        <p14:creationId xmlns:p14="http://schemas.microsoft.com/office/powerpoint/2010/main" val="242855622"/>
       </p:ext>
     </p:extLst>
   </p:cSld>
